--- a/design/2016/models/Position_reset.pptx
+++ b/design/2016/models/Position_reset.pptx
@@ -6,6 +6,7 @@
   </p:sldMasterIdLst>
   <p:sldIdLst>
     <p:sldId id="256" r:id="rId2"/>
+    <p:sldId id="257" r:id="rId3"/>
   </p:sldIdLst>
   <p:sldSz cx="12192000" cy="6858000"/>
   <p:notesSz cx="6858000" cy="9144000"/>
@@ -104,6 +105,11 @@
       </a:defRPr>
     </a:lvl9pPr>
   </p:defaultTextStyle>
+  <p:extLst>
+    <p:ext uri="{EFAFB233-063F-42B5-8137-9DF3F51BA10A}">
+      <p15:sldGuideLst xmlns:p15="http://schemas.microsoft.com/office/powerpoint/2012/main"/>
+    </p:ext>
+  </p:extLst>
 </p:presentation>
 </file>
 
@@ -250,7 +256,7 @@
           <a:p>
             <a:fld id="{22DFDF43-9887-4CFB-9327-7436B101820B}" type="datetimeFigureOut">
               <a:rPr kumimoji="1" lang="ja-JP" altLang="en-US" smtClean="0"/>
-              <a:t>2016/8/14</a:t>
+              <a:t>2016/8/17</a:t>
             </a:fld>
             <a:endParaRPr kumimoji="1" lang="ja-JP" altLang="en-US"/>
           </a:p>
@@ -452,7 +458,7 @@
           <a:p>
             <a:fld id="{22DFDF43-9887-4CFB-9327-7436B101820B}" type="datetimeFigureOut">
               <a:rPr kumimoji="1" lang="ja-JP" altLang="en-US" smtClean="0"/>
-              <a:t>2016/8/14</a:t>
+              <a:t>2016/8/17</a:t>
             </a:fld>
             <a:endParaRPr kumimoji="1" lang="ja-JP" altLang="en-US"/>
           </a:p>
@@ -664,7 +670,7 @@
           <a:p>
             <a:fld id="{22DFDF43-9887-4CFB-9327-7436B101820B}" type="datetimeFigureOut">
               <a:rPr kumimoji="1" lang="ja-JP" altLang="en-US" smtClean="0"/>
-              <a:t>2016/8/14</a:t>
+              <a:t>2016/8/17</a:t>
             </a:fld>
             <a:endParaRPr kumimoji="1" lang="ja-JP" altLang="en-US"/>
           </a:p>
@@ -866,7 +872,7 @@
           <a:p>
             <a:fld id="{22DFDF43-9887-4CFB-9327-7436B101820B}" type="datetimeFigureOut">
               <a:rPr kumimoji="1" lang="ja-JP" altLang="en-US" smtClean="0"/>
-              <a:t>2016/8/14</a:t>
+              <a:t>2016/8/17</a:t>
             </a:fld>
             <a:endParaRPr kumimoji="1" lang="ja-JP" altLang="en-US"/>
           </a:p>
@@ -1112,7 +1118,7 @@
           <a:p>
             <a:fld id="{22DFDF43-9887-4CFB-9327-7436B101820B}" type="datetimeFigureOut">
               <a:rPr kumimoji="1" lang="ja-JP" altLang="en-US" smtClean="0"/>
-              <a:t>2016/8/14</a:t>
+              <a:t>2016/8/17</a:t>
             </a:fld>
             <a:endParaRPr kumimoji="1" lang="ja-JP" altLang="en-US"/>
           </a:p>
@@ -1408,7 +1414,7 @@
           <a:p>
             <a:fld id="{22DFDF43-9887-4CFB-9327-7436B101820B}" type="datetimeFigureOut">
               <a:rPr kumimoji="1" lang="ja-JP" altLang="en-US" smtClean="0"/>
-              <a:t>2016/8/14</a:t>
+              <a:t>2016/8/17</a:t>
             </a:fld>
             <a:endParaRPr kumimoji="1" lang="ja-JP" altLang="en-US"/>
           </a:p>
@@ -1839,7 +1845,7 @@
           <a:p>
             <a:fld id="{22DFDF43-9887-4CFB-9327-7436B101820B}" type="datetimeFigureOut">
               <a:rPr kumimoji="1" lang="ja-JP" altLang="en-US" smtClean="0"/>
-              <a:t>2016/8/14</a:t>
+              <a:t>2016/8/17</a:t>
             </a:fld>
             <a:endParaRPr kumimoji="1" lang="ja-JP" altLang="en-US"/>
           </a:p>
@@ -1957,7 +1963,7 @@
           <a:p>
             <a:fld id="{22DFDF43-9887-4CFB-9327-7436B101820B}" type="datetimeFigureOut">
               <a:rPr kumimoji="1" lang="ja-JP" altLang="en-US" smtClean="0"/>
-              <a:t>2016/8/14</a:t>
+              <a:t>2016/8/17</a:t>
             </a:fld>
             <a:endParaRPr kumimoji="1" lang="ja-JP" altLang="en-US"/>
           </a:p>
@@ -2052,7 +2058,7 @@
           <a:p>
             <a:fld id="{22DFDF43-9887-4CFB-9327-7436B101820B}" type="datetimeFigureOut">
               <a:rPr kumimoji="1" lang="ja-JP" altLang="en-US" smtClean="0"/>
-              <a:t>2016/8/14</a:t>
+              <a:t>2016/8/17</a:t>
             </a:fld>
             <a:endParaRPr kumimoji="1" lang="ja-JP" altLang="en-US"/>
           </a:p>
@@ -2361,7 +2367,7 @@
           <a:p>
             <a:fld id="{22DFDF43-9887-4CFB-9327-7436B101820B}" type="datetimeFigureOut">
               <a:rPr kumimoji="1" lang="ja-JP" altLang="en-US" smtClean="0"/>
-              <a:t>2016/8/14</a:t>
+              <a:t>2016/8/17</a:t>
             </a:fld>
             <a:endParaRPr kumimoji="1" lang="ja-JP" altLang="en-US"/>
           </a:p>
@@ -2614,7 +2620,7 @@
           <a:p>
             <a:fld id="{22DFDF43-9887-4CFB-9327-7436B101820B}" type="datetimeFigureOut">
               <a:rPr kumimoji="1" lang="ja-JP" altLang="en-US" smtClean="0"/>
-              <a:t>2016/8/14</a:t>
+              <a:t>2016/8/17</a:t>
             </a:fld>
             <a:endParaRPr kumimoji="1" lang="ja-JP" altLang="en-US"/>
           </a:p>
@@ -2859,7 +2865,7 @@
           <a:p>
             <a:fld id="{22DFDF43-9887-4CFB-9327-7436B101820B}" type="datetimeFigureOut">
               <a:rPr kumimoji="1" lang="ja-JP" altLang="en-US" smtClean="0"/>
-              <a:t>2016/8/14</a:t>
+              <a:t>2016/8/17</a:t>
             </a:fld>
             <a:endParaRPr kumimoji="1" lang="ja-JP" altLang="en-US"/>
           </a:p>
@@ -3380,6 +3386,360 @@
 </p:sld>
 </file>
 
+<file path=ppt/slides/slide2.xml><?xml version="1.0" encoding="utf-8"?>
+<p:sld xmlns:a="http://schemas.openxmlformats.org/drawingml/2006/main" xmlns:r="http://schemas.openxmlformats.org/officeDocument/2006/relationships" xmlns:p="http://schemas.openxmlformats.org/presentationml/2006/main">
+  <p:cSld>
+    <p:spTree>
+      <p:nvGrpSpPr>
+        <p:cNvPr id="1" name=""/>
+        <p:cNvGrpSpPr/>
+        <p:nvPr/>
+      </p:nvGrpSpPr>
+      <p:grpSpPr>
+        <a:xfrm>
+          <a:off x="0" y="0"/>
+          <a:ext cx="0" cy="0"/>
+          <a:chOff x="0" y="0"/>
+          <a:chExt cx="0" cy="0"/>
+        </a:xfrm>
+      </p:grpSpPr>
+      <p:pic>
+        <p:nvPicPr>
+          <p:cNvPr id="4" name="図 3"/>
+          <p:cNvPicPr>
+            <a:picLocks noChangeAspect="1"/>
+          </p:cNvPicPr>
+          <p:nvPr/>
+        </p:nvPicPr>
+        <p:blipFill>
+          <a:blip r:embed="rId2"/>
+          <a:stretch>
+            <a:fillRect/>
+          </a:stretch>
+        </p:blipFill>
+        <p:spPr>
+          <a:xfrm>
+            <a:off x="6605844" y="2958805"/>
+            <a:ext cx="2933572" cy="3255319"/>
+          </a:xfrm>
+          <a:prstGeom prst="rect">
+            <a:avLst/>
+          </a:prstGeom>
+        </p:spPr>
+      </p:pic>
+      <p:pic>
+        <p:nvPicPr>
+          <p:cNvPr id="10" name="図 9"/>
+          <p:cNvPicPr>
+            <a:picLocks noChangeAspect="1"/>
+          </p:cNvPicPr>
+          <p:nvPr/>
+        </p:nvPicPr>
+        <p:blipFill>
+          <a:blip r:embed="rId3"/>
+          <a:stretch>
+            <a:fillRect/>
+          </a:stretch>
+        </p:blipFill>
+        <p:spPr>
+          <a:xfrm>
+            <a:off x="88420" y="2410767"/>
+            <a:ext cx="4229467" cy="4351397"/>
+          </a:xfrm>
+          <a:prstGeom prst="rect">
+            <a:avLst/>
+          </a:prstGeom>
+        </p:spPr>
+      </p:pic>
+      <p:sp>
+        <p:nvSpPr>
+          <p:cNvPr id="11" name="テキスト ボックス 10"/>
+          <p:cNvSpPr txBox="1"/>
+          <p:nvPr/>
+        </p:nvSpPr>
+        <p:spPr>
+          <a:xfrm>
+            <a:off x="785867" y="411989"/>
+            <a:ext cx="11064247" cy="1200329"/>
+          </a:xfrm>
+          <a:prstGeom prst="rect">
+            <a:avLst/>
+          </a:prstGeom>
+          <a:noFill/>
+        </p:spPr>
+        <p:txBody>
+          <a:bodyPr wrap="none" rtlCol="0">
+            <a:spAutoFit/>
+          </a:bodyPr>
+          <a:lstStyle/>
+          <a:p>
+            <a:r>
+              <a:rPr kumimoji="1" lang="ja-JP" altLang="en-US" dirty="0" smtClean="0"/>
+              <a:t>調査の結果、均一な張りの下では、コース上の直線の</a:t>
+            </a:r>
+            <a:r>
+              <a:rPr kumimoji="1" lang="ja-JP" altLang="en-US" smtClean="0"/>
+              <a:t>幅は一定で</a:t>
+            </a:r>
+            <a:r>
+              <a:rPr kumimoji="1" lang="ja-JP" altLang="en-US" dirty="0" smtClean="0"/>
+              <a:t>あり、</a:t>
+            </a:r>
+            <a:endParaRPr kumimoji="1" lang="en-US" altLang="ja-JP" dirty="0" smtClean="0"/>
+          </a:p>
+          <a:p>
+            <a:r>
+              <a:rPr lang="ja-JP" altLang="en-US" dirty="0" smtClean="0"/>
+              <a:t>コース上のいずれの直線もコースが書かれた布の短辺、または、長辺と垂直、または、平行である事が分かった。</a:t>
+            </a:r>
+            <a:endParaRPr lang="en-US" altLang="ja-JP" dirty="0" smtClean="0"/>
+          </a:p>
+          <a:p>
+            <a:r>
+              <a:rPr kumimoji="1" lang="ja-JP" altLang="en-US" dirty="0" smtClean="0"/>
+              <a:t>この結果を利用し、走行体がコース上の直線に乗る、または、通過した時に</a:t>
+            </a:r>
+            <a:r>
+              <a:rPr kumimoji="1" lang="en-US" altLang="ja-JP" dirty="0" smtClean="0"/>
+              <a:t>x</a:t>
+            </a:r>
+            <a:r>
+              <a:rPr kumimoji="1" lang="ja-JP" altLang="en-US" dirty="0" err="1" smtClean="0"/>
+              <a:t>、</a:t>
+            </a:r>
+            <a:r>
+              <a:rPr kumimoji="1" lang="ja-JP" altLang="en-US" dirty="0" smtClean="0"/>
+              <a:t>または、</a:t>
+            </a:r>
+            <a:r>
+              <a:rPr kumimoji="1" lang="en-US" altLang="ja-JP" dirty="0" smtClean="0"/>
+              <a:t>y</a:t>
+            </a:r>
+            <a:r>
+              <a:rPr kumimoji="1" lang="ja-JP" altLang="en-US" dirty="0" smtClean="0"/>
+              <a:t>座標を強制的に補正し、</a:t>
+            </a:r>
+            <a:endParaRPr kumimoji="1" lang="en-US" altLang="ja-JP" dirty="0" smtClean="0"/>
+          </a:p>
+          <a:p>
+            <a:r>
+              <a:rPr kumimoji="1" lang="ja-JP" altLang="en-US" dirty="0" smtClean="0"/>
+              <a:t>走行体が保持するコース地図での走行体の位置を修正する。</a:t>
+            </a:r>
+            <a:endParaRPr kumimoji="1" lang="en-US" altLang="ja-JP" dirty="0" smtClean="0"/>
+          </a:p>
+        </p:txBody>
+      </p:sp>
+      <p:sp>
+        <p:nvSpPr>
+          <p:cNvPr id="2" name="角丸四角形 1"/>
+          <p:cNvSpPr/>
+          <p:nvPr/>
+        </p:nvSpPr>
+        <p:spPr>
+          <a:xfrm>
+            <a:off x="3286897" y="3296093"/>
+            <a:ext cx="1455224" cy="1467293"/>
+          </a:xfrm>
+          <a:prstGeom prst="roundRect">
+            <a:avLst/>
+          </a:prstGeom>
+          <a:noFill/>
+          <a:ln w="44450">
+            <a:solidFill>
+              <a:srgbClr val="7030A0"/>
+            </a:solidFill>
+            <a:prstDash val="dash"/>
+          </a:ln>
+        </p:spPr>
+        <p:style>
+          <a:lnRef idx="2">
+            <a:schemeClr val="accent1">
+              <a:shade val="50000"/>
+            </a:schemeClr>
+          </a:lnRef>
+          <a:fillRef idx="1">
+            <a:schemeClr val="accent1"/>
+          </a:fillRef>
+          <a:effectRef idx="0">
+            <a:schemeClr val="accent1"/>
+          </a:effectRef>
+          <a:fontRef idx="minor">
+            <a:schemeClr val="lt1"/>
+          </a:fontRef>
+        </p:style>
+        <p:txBody>
+          <a:bodyPr rtlCol="0" anchor="ctr"/>
+          <a:lstStyle/>
+          <a:p>
+            <a:pPr algn="ctr"/>
+            <a:endParaRPr kumimoji="1" lang="ja-JP" altLang="en-US"/>
+          </a:p>
+        </p:txBody>
+      </p:sp>
+      <p:sp>
+        <p:nvSpPr>
+          <p:cNvPr id="3" name="角丸四角形 2"/>
+          <p:cNvSpPr/>
+          <p:nvPr/>
+        </p:nvSpPr>
+        <p:spPr>
+          <a:xfrm>
+            <a:off x="6605844" y="2958805"/>
+            <a:ext cx="3398332" cy="3255320"/>
+          </a:xfrm>
+          <a:prstGeom prst="roundRect">
+            <a:avLst/>
+          </a:prstGeom>
+          <a:noFill/>
+          <a:ln w="44450">
+            <a:solidFill>
+              <a:srgbClr val="7030A0"/>
+            </a:solidFill>
+            <a:prstDash val="dash"/>
+          </a:ln>
+        </p:spPr>
+        <p:style>
+          <a:lnRef idx="2">
+            <a:schemeClr val="accent1">
+              <a:shade val="50000"/>
+            </a:schemeClr>
+          </a:lnRef>
+          <a:fillRef idx="1">
+            <a:schemeClr val="accent1"/>
+          </a:fillRef>
+          <a:effectRef idx="0">
+            <a:schemeClr val="accent1"/>
+          </a:effectRef>
+          <a:fontRef idx="minor">
+            <a:schemeClr val="lt1"/>
+          </a:fontRef>
+        </p:style>
+        <p:txBody>
+          <a:bodyPr rtlCol="0" anchor="ctr"/>
+          <a:lstStyle/>
+          <a:p>
+            <a:pPr algn="ctr"/>
+            <a:endParaRPr kumimoji="1" lang="ja-JP" altLang="en-US"/>
+          </a:p>
+        </p:txBody>
+      </p:sp>
+      <p:sp>
+        <p:nvSpPr>
+          <p:cNvPr id="7" name="角丸四角形 6"/>
+          <p:cNvSpPr/>
+          <p:nvPr/>
+        </p:nvSpPr>
+        <p:spPr>
+          <a:xfrm rot="3857177">
+            <a:off x="5282472" y="2816815"/>
+            <a:ext cx="71783" cy="283978"/>
+          </a:xfrm>
+          <a:prstGeom prst="roundRect">
+            <a:avLst>
+              <a:gd name="adj" fmla="val 50000"/>
+            </a:avLst>
+          </a:prstGeom>
+          <a:solidFill>
+            <a:schemeClr val="bg2">
+              <a:lumMod val="50000"/>
+            </a:schemeClr>
+          </a:solidFill>
+          <a:ln>
+            <a:solidFill>
+              <a:schemeClr val="tx1"/>
+            </a:solidFill>
+          </a:ln>
+        </p:spPr>
+        <p:style>
+          <a:lnRef idx="2">
+            <a:schemeClr val="accent1">
+              <a:shade val="50000"/>
+            </a:schemeClr>
+          </a:lnRef>
+          <a:fillRef idx="1">
+            <a:schemeClr val="accent1"/>
+          </a:fillRef>
+          <a:effectRef idx="0">
+            <a:schemeClr val="accent1"/>
+          </a:effectRef>
+          <a:fontRef idx="minor">
+            <a:schemeClr val="lt1"/>
+          </a:fontRef>
+        </p:style>
+        <p:txBody>
+          <a:bodyPr rtlCol="0" anchor="ctr"/>
+          <a:lstStyle/>
+          <a:p>
+            <a:pPr algn="ctr"/>
+            <a:endParaRPr kumimoji="1" lang="ja-JP" altLang="en-US" dirty="0">
+              <a:latin typeface="HG丸ｺﾞｼｯｸM-PRO" panose="020F0600000000000000" pitchFamily="50" charset="-128"/>
+              <a:ea typeface="HG丸ｺﾞｼｯｸM-PRO" panose="020F0600000000000000" pitchFamily="50" charset="-128"/>
+            </a:endParaRPr>
+          </a:p>
+        </p:txBody>
+      </p:sp>
+      <p:sp>
+        <p:nvSpPr>
+          <p:cNvPr id="5" name="正方形/長方形 4"/>
+          <p:cNvSpPr/>
+          <p:nvPr/>
+        </p:nvSpPr>
+        <p:spPr>
+          <a:xfrm>
+            <a:off x="5548184" y="2958805"/>
+            <a:ext cx="432486" cy="525800"/>
+          </a:xfrm>
+          <a:prstGeom prst="rect">
+            <a:avLst/>
+          </a:prstGeom>
+          <a:solidFill>
+            <a:schemeClr val="bg2"/>
+          </a:solidFill>
+          <a:ln>
+            <a:solidFill>
+              <a:schemeClr val="tx1"/>
+            </a:solidFill>
+          </a:ln>
+        </p:spPr>
+        <p:style>
+          <a:lnRef idx="2">
+            <a:schemeClr val="accent1">
+              <a:shade val="50000"/>
+            </a:schemeClr>
+          </a:lnRef>
+          <a:fillRef idx="1">
+            <a:schemeClr val="accent1"/>
+          </a:fillRef>
+          <a:effectRef idx="0">
+            <a:schemeClr val="accent1"/>
+          </a:effectRef>
+          <a:fontRef idx="minor">
+            <a:schemeClr val="lt1"/>
+          </a:fontRef>
+        </p:style>
+        <p:txBody>
+          <a:bodyPr rtlCol="0" anchor="ctr"/>
+          <a:lstStyle/>
+          <a:p>
+            <a:pPr algn="ctr"/>
+            <a:endParaRPr kumimoji="1" lang="ja-JP" altLang="en-US"/>
+          </a:p>
+        </p:txBody>
+      </p:sp>
+    </p:spTree>
+    <p:extLst>
+      <p:ext uri="{BB962C8B-B14F-4D97-AF65-F5344CB8AC3E}">
+        <p14:creationId xmlns:p14="http://schemas.microsoft.com/office/powerpoint/2010/main" val="269152464"/>
+      </p:ext>
+    </p:extLst>
+  </p:cSld>
+  <p:clrMapOvr>
+    <a:masterClrMapping/>
+  </p:clrMapOvr>
+</p:sld>
+</file>
+
 <file path=ppt/theme/theme1.xml><?xml version="1.0" encoding="utf-8"?>
 <a:theme xmlns:a="http://schemas.openxmlformats.org/drawingml/2006/main" name="Office テーマ">
   <a:themeElements>

--- a/design/2016/models/Position_reset.pptx
+++ b/design/2016/models/Position_reset.pptx
@@ -3419,7 +3419,7 @@
         </p:blipFill>
         <p:spPr>
           <a:xfrm>
-            <a:off x="6605844" y="2958805"/>
+            <a:off x="5083694" y="2839680"/>
             <a:ext cx="2933572" cy="3255319"/>
           </a:xfrm>
           <a:prstGeom prst="rect">
@@ -3443,8 +3443,8 @@
         </p:blipFill>
         <p:spPr>
           <a:xfrm>
-            <a:off x="88420" y="2410767"/>
-            <a:ext cx="4229467" cy="4351397"/>
+            <a:off x="852014" y="2723010"/>
+            <a:ext cx="2995307" cy="3081658"/>
           </a:xfrm>
           <a:prstGeom prst="rect">
             <a:avLst/>
@@ -3460,7 +3460,7 @@
         <p:spPr>
           <a:xfrm>
             <a:off x="785867" y="411989"/>
-            <a:ext cx="11064247" cy="1200329"/>
+            <a:ext cx="11984371" cy="1200329"/>
           </a:xfrm>
           <a:prstGeom prst="rect">
             <a:avLst/>
@@ -3474,59 +3474,103 @@
           <a:lstStyle/>
           <a:p>
             <a:r>
-              <a:rPr kumimoji="1" lang="ja-JP" altLang="en-US" dirty="0" smtClean="0"/>
-              <a:t>調査の結果、均一な張りの下では、コース上の直線の</a:t>
-            </a:r>
-            <a:r>
-              <a:rPr kumimoji="1" lang="ja-JP" altLang="en-US" smtClean="0"/>
-              <a:t>幅は一定で</a:t>
-            </a:r>
-            <a:r>
-              <a:rPr kumimoji="1" lang="ja-JP" altLang="en-US" dirty="0" smtClean="0"/>
-              <a:t>あり、</a:t>
-            </a:r>
-            <a:endParaRPr kumimoji="1" lang="en-US" altLang="ja-JP" dirty="0" smtClean="0"/>
-          </a:p>
-          <a:p>
-            <a:r>
-              <a:rPr lang="ja-JP" altLang="en-US" dirty="0" smtClean="0"/>
+              <a:rPr kumimoji="1" lang="ja-JP" altLang="en-US" dirty="0" smtClean="0">
+                <a:latin typeface="メイリオ" panose="020B0604030504040204" pitchFamily="50" charset="-128"/>
+                <a:ea typeface="メイリオ" panose="020B0604030504040204" pitchFamily="50" charset="-128"/>
+                <a:cs typeface="メイリオ" panose="020B0604030504040204" pitchFamily="50" charset="-128"/>
+              </a:rPr>
+              <a:t>調査の結果、均一な張りの下では、コース上の直線の幅は一定であり、</a:t>
+            </a:r>
+            <a:endParaRPr kumimoji="1" lang="en-US" altLang="ja-JP" dirty="0" smtClean="0">
+              <a:latin typeface="メイリオ" panose="020B0604030504040204" pitchFamily="50" charset="-128"/>
+              <a:ea typeface="メイリオ" panose="020B0604030504040204" pitchFamily="50" charset="-128"/>
+              <a:cs typeface="メイリオ" panose="020B0604030504040204" pitchFamily="50" charset="-128"/>
+            </a:endParaRPr>
+          </a:p>
+          <a:p>
+            <a:r>
+              <a:rPr lang="ja-JP" altLang="en-US" dirty="0" smtClean="0">
+                <a:latin typeface="メイリオ" panose="020B0604030504040204" pitchFamily="50" charset="-128"/>
+                <a:ea typeface="メイリオ" panose="020B0604030504040204" pitchFamily="50" charset="-128"/>
+                <a:cs typeface="メイリオ" panose="020B0604030504040204" pitchFamily="50" charset="-128"/>
+              </a:rPr>
               <a:t>コース上のいずれの直線もコースが書かれた布の短辺、または、長辺と垂直、または、平行である事が分かった。</a:t>
             </a:r>
-            <a:endParaRPr lang="en-US" altLang="ja-JP" dirty="0" smtClean="0"/>
-          </a:p>
-          <a:p>
-            <a:r>
-              <a:rPr kumimoji="1" lang="ja-JP" altLang="en-US" dirty="0" smtClean="0"/>
+            <a:endParaRPr lang="en-US" altLang="ja-JP" dirty="0" smtClean="0">
+              <a:latin typeface="メイリオ" panose="020B0604030504040204" pitchFamily="50" charset="-128"/>
+              <a:ea typeface="メイリオ" panose="020B0604030504040204" pitchFamily="50" charset="-128"/>
+              <a:cs typeface="メイリオ" panose="020B0604030504040204" pitchFamily="50" charset="-128"/>
+            </a:endParaRPr>
+          </a:p>
+          <a:p>
+            <a:r>
+              <a:rPr kumimoji="1" lang="ja-JP" altLang="en-US" dirty="0" smtClean="0">
+                <a:latin typeface="メイリオ" panose="020B0604030504040204" pitchFamily="50" charset="-128"/>
+                <a:ea typeface="メイリオ" panose="020B0604030504040204" pitchFamily="50" charset="-128"/>
+                <a:cs typeface="メイリオ" panose="020B0604030504040204" pitchFamily="50" charset="-128"/>
+              </a:rPr>
               <a:t>この結果を利用し、走行体がコース上の直線に乗る、または、通過した時に</a:t>
             </a:r>
             <a:r>
-              <a:rPr kumimoji="1" lang="en-US" altLang="ja-JP" dirty="0" smtClean="0"/>
+              <a:rPr kumimoji="1" lang="en-US" altLang="ja-JP" dirty="0" smtClean="0">
+                <a:latin typeface="メイリオ" panose="020B0604030504040204" pitchFamily="50" charset="-128"/>
+                <a:ea typeface="メイリオ" panose="020B0604030504040204" pitchFamily="50" charset="-128"/>
+                <a:cs typeface="メイリオ" panose="020B0604030504040204" pitchFamily="50" charset="-128"/>
+              </a:rPr>
               <a:t>x</a:t>
             </a:r>
             <a:r>
-              <a:rPr kumimoji="1" lang="ja-JP" altLang="en-US" dirty="0" err="1" smtClean="0"/>
+              <a:rPr kumimoji="1" lang="ja-JP" altLang="en-US" dirty="0" err="1" smtClean="0">
+                <a:latin typeface="メイリオ" panose="020B0604030504040204" pitchFamily="50" charset="-128"/>
+                <a:ea typeface="メイリオ" panose="020B0604030504040204" pitchFamily="50" charset="-128"/>
+                <a:cs typeface="メイリオ" panose="020B0604030504040204" pitchFamily="50" charset="-128"/>
+              </a:rPr>
               <a:t>、</a:t>
             </a:r>
             <a:r>
-              <a:rPr kumimoji="1" lang="ja-JP" altLang="en-US" dirty="0" smtClean="0"/>
+              <a:rPr kumimoji="1" lang="ja-JP" altLang="en-US" dirty="0" smtClean="0">
+                <a:latin typeface="メイリオ" panose="020B0604030504040204" pitchFamily="50" charset="-128"/>
+                <a:ea typeface="メイリオ" panose="020B0604030504040204" pitchFamily="50" charset="-128"/>
+                <a:cs typeface="メイリオ" panose="020B0604030504040204" pitchFamily="50" charset="-128"/>
+              </a:rPr>
               <a:t>または、</a:t>
             </a:r>
             <a:r>
-              <a:rPr kumimoji="1" lang="en-US" altLang="ja-JP" dirty="0" smtClean="0"/>
+              <a:rPr kumimoji="1" lang="en-US" altLang="ja-JP" dirty="0" smtClean="0">
+                <a:latin typeface="メイリオ" panose="020B0604030504040204" pitchFamily="50" charset="-128"/>
+                <a:ea typeface="メイリオ" panose="020B0604030504040204" pitchFamily="50" charset="-128"/>
+                <a:cs typeface="メイリオ" panose="020B0604030504040204" pitchFamily="50" charset="-128"/>
+              </a:rPr>
               <a:t>y</a:t>
             </a:r>
             <a:r>
-              <a:rPr kumimoji="1" lang="ja-JP" altLang="en-US" dirty="0" smtClean="0"/>
+              <a:rPr kumimoji="1" lang="ja-JP" altLang="en-US" dirty="0" smtClean="0">
+                <a:latin typeface="メイリオ" panose="020B0604030504040204" pitchFamily="50" charset="-128"/>
+                <a:ea typeface="メイリオ" panose="020B0604030504040204" pitchFamily="50" charset="-128"/>
+                <a:cs typeface="メイリオ" panose="020B0604030504040204" pitchFamily="50" charset="-128"/>
+              </a:rPr>
               <a:t>座標を強制的に補正し、</a:t>
             </a:r>
-            <a:endParaRPr kumimoji="1" lang="en-US" altLang="ja-JP" dirty="0" smtClean="0"/>
-          </a:p>
-          <a:p>
-            <a:r>
-              <a:rPr kumimoji="1" lang="ja-JP" altLang="en-US" dirty="0" smtClean="0"/>
+            <a:endParaRPr kumimoji="1" lang="en-US" altLang="ja-JP" dirty="0" smtClean="0">
+              <a:latin typeface="メイリオ" panose="020B0604030504040204" pitchFamily="50" charset="-128"/>
+              <a:ea typeface="メイリオ" panose="020B0604030504040204" pitchFamily="50" charset="-128"/>
+              <a:cs typeface="メイリオ" panose="020B0604030504040204" pitchFamily="50" charset="-128"/>
+            </a:endParaRPr>
+          </a:p>
+          <a:p>
+            <a:r>
+              <a:rPr kumimoji="1" lang="ja-JP" altLang="en-US" dirty="0" smtClean="0">
+                <a:latin typeface="メイリオ" panose="020B0604030504040204" pitchFamily="50" charset="-128"/>
+                <a:ea typeface="メイリオ" panose="020B0604030504040204" pitchFamily="50" charset="-128"/>
+                <a:cs typeface="メイリオ" panose="020B0604030504040204" pitchFamily="50" charset="-128"/>
+              </a:rPr>
               <a:t>走行体が保持するコース地図での走行体の位置を修正する。</a:t>
             </a:r>
-            <a:endParaRPr kumimoji="1" lang="en-US" altLang="ja-JP" dirty="0" smtClean="0"/>
+            <a:endParaRPr kumimoji="1" lang="en-US" altLang="ja-JP" dirty="0" smtClean="0">
+              <a:latin typeface="メイリオ" panose="020B0604030504040204" pitchFamily="50" charset="-128"/>
+              <a:ea typeface="メイリオ" panose="020B0604030504040204" pitchFamily="50" charset="-128"/>
+              <a:cs typeface="メイリオ" panose="020B0604030504040204" pitchFamily="50" charset="-128"/>
+            </a:endParaRPr>
           </a:p>
         </p:txBody>
       </p:sp>
@@ -3538,8 +3582,8 @@
         </p:nvSpPr>
         <p:spPr>
           <a:xfrm>
-            <a:off x="3286897" y="3296093"/>
-            <a:ext cx="1455224" cy="1467293"/>
+            <a:off x="3225818" y="3507971"/>
+            <a:ext cx="775448" cy="682332"/>
           </a:xfrm>
           <a:prstGeom prst="roundRect">
             <a:avLst/>
@@ -3573,7 +3617,11 @@
           <a:lstStyle/>
           <a:p>
             <a:pPr algn="ctr"/>
-            <a:endParaRPr kumimoji="1" lang="ja-JP" altLang="en-US"/>
+            <a:endParaRPr kumimoji="1" lang="ja-JP" altLang="en-US">
+              <a:latin typeface="メイリオ" panose="020B0604030504040204" pitchFamily="50" charset="-128"/>
+              <a:ea typeface="メイリオ" panose="020B0604030504040204" pitchFamily="50" charset="-128"/>
+              <a:cs typeface="メイリオ" panose="020B0604030504040204" pitchFamily="50" charset="-128"/>
+            </a:endParaRPr>
           </a:p>
         </p:txBody>
       </p:sp>
@@ -3585,7 +3633,7 @@
         </p:nvSpPr>
         <p:spPr>
           <a:xfrm>
-            <a:off x="6605844" y="2958805"/>
+            <a:off x="5083694" y="2839680"/>
             <a:ext cx="3398332" cy="3255320"/>
           </a:xfrm>
           <a:prstGeom prst="roundRect">
@@ -3620,34 +3668,426 @@
           <a:lstStyle/>
           <a:p>
             <a:pPr algn="ctr"/>
-            <a:endParaRPr kumimoji="1" lang="ja-JP" altLang="en-US"/>
-          </a:p>
-        </p:txBody>
-      </p:sp>
-      <p:sp>
-        <p:nvSpPr>
-          <p:cNvPr id="7" name="角丸四角形 6"/>
+            <a:endParaRPr kumimoji="1" lang="ja-JP" altLang="en-US">
+              <a:latin typeface="メイリオ" panose="020B0604030504040204" pitchFamily="50" charset="-128"/>
+              <a:ea typeface="メイリオ" panose="020B0604030504040204" pitchFamily="50" charset="-128"/>
+              <a:cs typeface="メイリオ" panose="020B0604030504040204" pitchFamily="50" charset="-128"/>
+            </a:endParaRPr>
+          </a:p>
+        </p:txBody>
+      </p:sp>
+      <p:grpSp>
+        <p:nvGrpSpPr>
+          <p:cNvPr id="6" name="グループ化 5"/>
+          <p:cNvGrpSpPr/>
+          <p:nvPr/>
+        </p:nvGrpSpPr>
+        <p:grpSpPr>
+          <a:xfrm rot="19976373">
+            <a:off x="5227259" y="3176968"/>
+            <a:ext cx="944895" cy="858530"/>
+            <a:chOff x="5476401" y="2958805"/>
+            <a:chExt cx="578693" cy="525800"/>
+          </a:xfrm>
+        </p:grpSpPr>
+        <p:sp>
+          <p:nvSpPr>
+            <p:cNvPr id="7" name="角丸四角形 6"/>
+            <p:cNvSpPr/>
+            <p:nvPr/>
+          </p:nvSpPr>
+          <p:spPr>
+            <a:xfrm>
+              <a:off x="5476401" y="3079716"/>
+              <a:ext cx="71783" cy="283978"/>
+            </a:xfrm>
+            <a:prstGeom prst="roundRect">
+              <a:avLst>
+                <a:gd name="adj" fmla="val 50000"/>
+              </a:avLst>
+            </a:prstGeom>
+            <a:solidFill>
+              <a:schemeClr val="bg2">
+                <a:lumMod val="50000"/>
+              </a:schemeClr>
+            </a:solidFill>
+            <a:ln>
+              <a:solidFill>
+                <a:schemeClr val="tx1"/>
+              </a:solidFill>
+            </a:ln>
+          </p:spPr>
+          <p:style>
+            <a:lnRef idx="2">
+              <a:schemeClr val="accent1">
+                <a:shade val="50000"/>
+              </a:schemeClr>
+            </a:lnRef>
+            <a:fillRef idx="1">
+              <a:schemeClr val="accent1"/>
+            </a:fillRef>
+            <a:effectRef idx="0">
+              <a:schemeClr val="accent1"/>
+            </a:effectRef>
+            <a:fontRef idx="minor">
+              <a:schemeClr val="lt1"/>
+            </a:fontRef>
+          </p:style>
+          <p:txBody>
+            <a:bodyPr rtlCol="0" anchor="ctr"/>
+            <a:lstStyle/>
+            <a:p>
+              <a:pPr algn="ctr"/>
+              <a:endParaRPr kumimoji="1" lang="ja-JP" altLang="en-US" dirty="0">
+                <a:latin typeface="メイリオ" panose="020B0604030504040204" pitchFamily="50" charset="-128"/>
+                <a:ea typeface="メイリオ" panose="020B0604030504040204" pitchFamily="50" charset="-128"/>
+                <a:cs typeface="メイリオ" panose="020B0604030504040204" pitchFamily="50" charset="-128"/>
+              </a:endParaRPr>
+            </a:p>
+          </p:txBody>
+        </p:sp>
+        <p:sp>
+          <p:nvSpPr>
+            <p:cNvPr id="5" name="正方形/長方形 4"/>
+            <p:cNvSpPr/>
+            <p:nvPr/>
+          </p:nvSpPr>
+          <p:spPr>
+            <a:xfrm>
+              <a:off x="5548184" y="2958805"/>
+              <a:ext cx="432486" cy="525800"/>
+            </a:xfrm>
+            <a:prstGeom prst="rect">
+              <a:avLst/>
+            </a:prstGeom>
+            <a:solidFill>
+              <a:schemeClr val="bg2"/>
+            </a:solidFill>
+            <a:ln>
+              <a:solidFill>
+                <a:schemeClr val="tx1"/>
+              </a:solidFill>
+            </a:ln>
+          </p:spPr>
+          <p:style>
+            <a:lnRef idx="2">
+              <a:schemeClr val="accent1">
+                <a:shade val="50000"/>
+              </a:schemeClr>
+            </a:lnRef>
+            <a:fillRef idx="1">
+              <a:schemeClr val="accent1"/>
+            </a:fillRef>
+            <a:effectRef idx="0">
+              <a:schemeClr val="accent1"/>
+            </a:effectRef>
+            <a:fontRef idx="minor">
+              <a:schemeClr val="lt1"/>
+            </a:fontRef>
+          </p:style>
+          <p:txBody>
+            <a:bodyPr rtlCol="0" anchor="ctr"/>
+            <a:lstStyle/>
+            <a:p>
+              <a:pPr algn="ctr"/>
+              <a:endParaRPr kumimoji="1" lang="ja-JP" altLang="en-US">
+                <a:latin typeface="メイリオ" panose="020B0604030504040204" pitchFamily="50" charset="-128"/>
+                <a:ea typeface="メイリオ" panose="020B0604030504040204" pitchFamily="50" charset="-128"/>
+                <a:cs typeface="メイリオ" panose="020B0604030504040204" pitchFamily="50" charset="-128"/>
+              </a:endParaRPr>
+            </a:p>
+          </p:txBody>
+        </p:sp>
+        <p:sp>
+          <p:nvSpPr>
+            <p:cNvPr id="9" name="角丸四角形 8"/>
+            <p:cNvSpPr/>
+            <p:nvPr/>
+          </p:nvSpPr>
+          <p:spPr>
+            <a:xfrm>
+              <a:off x="5983311" y="3079716"/>
+              <a:ext cx="71783" cy="283978"/>
+            </a:xfrm>
+            <a:prstGeom prst="roundRect">
+              <a:avLst>
+                <a:gd name="adj" fmla="val 50000"/>
+              </a:avLst>
+            </a:prstGeom>
+            <a:solidFill>
+              <a:schemeClr val="bg2">
+                <a:lumMod val="50000"/>
+              </a:schemeClr>
+            </a:solidFill>
+            <a:ln>
+              <a:solidFill>
+                <a:schemeClr val="tx1"/>
+              </a:solidFill>
+            </a:ln>
+          </p:spPr>
+          <p:style>
+            <a:lnRef idx="2">
+              <a:schemeClr val="accent1">
+                <a:shade val="50000"/>
+              </a:schemeClr>
+            </a:lnRef>
+            <a:fillRef idx="1">
+              <a:schemeClr val="accent1"/>
+            </a:fillRef>
+            <a:effectRef idx="0">
+              <a:schemeClr val="accent1"/>
+            </a:effectRef>
+            <a:fontRef idx="minor">
+              <a:schemeClr val="lt1"/>
+            </a:fontRef>
+          </p:style>
+          <p:txBody>
+            <a:bodyPr rtlCol="0" anchor="ctr"/>
+            <a:lstStyle/>
+            <a:p>
+              <a:pPr algn="ctr"/>
+              <a:endParaRPr kumimoji="1" lang="ja-JP" altLang="en-US" dirty="0">
+                <a:latin typeface="メイリオ" panose="020B0604030504040204" pitchFamily="50" charset="-128"/>
+                <a:ea typeface="メイリオ" panose="020B0604030504040204" pitchFamily="50" charset="-128"/>
+                <a:cs typeface="メイリオ" panose="020B0604030504040204" pitchFamily="50" charset="-128"/>
+              </a:endParaRPr>
+            </a:p>
+          </p:txBody>
+        </p:sp>
+      </p:grpSp>
+      <p:cxnSp>
+        <p:nvCxnSpPr>
+          <p:cNvPr id="12" name="直線矢印コネクタ 11"/>
+          <p:cNvCxnSpPr/>
+          <p:nvPr/>
+        </p:nvCxnSpPr>
+        <p:spPr>
+          <a:xfrm>
+            <a:off x="5909224" y="3996245"/>
+            <a:ext cx="509224" cy="1001326"/>
+          </a:xfrm>
+          <a:prstGeom prst="straightConnector1">
+            <a:avLst/>
+          </a:prstGeom>
+          <a:ln w="25400">
+            <a:prstDash val="sysDot"/>
+            <a:tailEnd type="triangle"/>
+          </a:ln>
+        </p:spPr>
+        <p:style>
+          <a:lnRef idx="1">
+            <a:schemeClr val="accent1"/>
+          </a:lnRef>
+          <a:fillRef idx="0">
+            <a:schemeClr val="accent1"/>
+          </a:fillRef>
+          <a:effectRef idx="0">
+            <a:schemeClr val="accent1"/>
+          </a:effectRef>
+          <a:fontRef idx="minor">
+            <a:schemeClr val="tx1"/>
+          </a:fontRef>
+        </p:style>
+      </p:cxnSp>
+      <p:grpSp>
+        <p:nvGrpSpPr>
+          <p:cNvPr id="13" name="グループ化 12"/>
+          <p:cNvGrpSpPr/>
+          <p:nvPr/>
+        </p:nvGrpSpPr>
+        <p:grpSpPr>
+          <a:xfrm rot="14990070">
+            <a:off x="5262124" y="5002738"/>
+            <a:ext cx="944895" cy="858530"/>
+            <a:chOff x="5476401" y="2958805"/>
+            <a:chExt cx="578693" cy="525800"/>
+          </a:xfrm>
+        </p:grpSpPr>
+        <p:sp>
+          <p:nvSpPr>
+            <p:cNvPr id="14" name="角丸四角形 13"/>
+            <p:cNvSpPr/>
+            <p:nvPr/>
+          </p:nvSpPr>
+          <p:spPr>
+            <a:xfrm>
+              <a:off x="5476401" y="3079716"/>
+              <a:ext cx="71783" cy="283978"/>
+            </a:xfrm>
+            <a:prstGeom prst="roundRect">
+              <a:avLst>
+                <a:gd name="adj" fmla="val 50000"/>
+              </a:avLst>
+            </a:prstGeom>
+            <a:solidFill>
+              <a:schemeClr val="bg2">
+                <a:lumMod val="50000"/>
+              </a:schemeClr>
+            </a:solidFill>
+            <a:ln>
+              <a:solidFill>
+                <a:schemeClr val="tx1"/>
+              </a:solidFill>
+            </a:ln>
+          </p:spPr>
+          <p:style>
+            <a:lnRef idx="2">
+              <a:schemeClr val="accent1">
+                <a:shade val="50000"/>
+              </a:schemeClr>
+            </a:lnRef>
+            <a:fillRef idx="1">
+              <a:schemeClr val="accent1"/>
+            </a:fillRef>
+            <a:effectRef idx="0">
+              <a:schemeClr val="accent1"/>
+            </a:effectRef>
+            <a:fontRef idx="minor">
+              <a:schemeClr val="lt1"/>
+            </a:fontRef>
+          </p:style>
+          <p:txBody>
+            <a:bodyPr rtlCol="0" anchor="ctr"/>
+            <a:lstStyle/>
+            <a:p>
+              <a:pPr algn="ctr"/>
+              <a:endParaRPr kumimoji="1" lang="ja-JP" altLang="en-US" dirty="0">
+                <a:latin typeface="メイリオ" panose="020B0604030504040204" pitchFamily="50" charset="-128"/>
+                <a:ea typeface="メイリオ" panose="020B0604030504040204" pitchFamily="50" charset="-128"/>
+                <a:cs typeface="メイリオ" panose="020B0604030504040204" pitchFamily="50" charset="-128"/>
+              </a:endParaRPr>
+            </a:p>
+          </p:txBody>
+        </p:sp>
+        <p:sp>
+          <p:nvSpPr>
+            <p:cNvPr id="15" name="正方形/長方形 14"/>
+            <p:cNvSpPr/>
+            <p:nvPr/>
+          </p:nvSpPr>
+          <p:spPr>
+            <a:xfrm>
+              <a:off x="5548184" y="2958805"/>
+              <a:ext cx="432486" cy="525800"/>
+            </a:xfrm>
+            <a:prstGeom prst="rect">
+              <a:avLst/>
+            </a:prstGeom>
+            <a:solidFill>
+              <a:schemeClr val="bg2"/>
+            </a:solidFill>
+            <a:ln>
+              <a:solidFill>
+                <a:schemeClr val="tx1"/>
+              </a:solidFill>
+            </a:ln>
+          </p:spPr>
+          <p:style>
+            <a:lnRef idx="2">
+              <a:schemeClr val="accent1">
+                <a:shade val="50000"/>
+              </a:schemeClr>
+            </a:lnRef>
+            <a:fillRef idx="1">
+              <a:schemeClr val="accent1"/>
+            </a:fillRef>
+            <a:effectRef idx="0">
+              <a:schemeClr val="accent1"/>
+            </a:effectRef>
+            <a:fontRef idx="minor">
+              <a:schemeClr val="lt1"/>
+            </a:fontRef>
+          </p:style>
+          <p:txBody>
+            <a:bodyPr rtlCol="0" anchor="ctr"/>
+            <a:lstStyle/>
+            <a:p>
+              <a:pPr algn="ctr"/>
+              <a:endParaRPr kumimoji="1" lang="ja-JP" altLang="en-US">
+                <a:latin typeface="メイリオ" panose="020B0604030504040204" pitchFamily="50" charset="-128"/>
+                <a:ea typeface="メイリオ" panose="020B0604030504040204" pitchFamily="50" charset="-128"/>
+                <a:cs typeface="メイリオ" panose="020B0604030504040204" pitchFamily="50" charset="-128"/>
+              </a:endParaRPr>
+            </a:p>
+          </p:txBody>
+        </p:sp>
+        <p:sp>
+          <p:nvSpPr>
+            <p:cNvPr id="16" name="角丸四角形 15"/>
+            <p:cNvSpPr/>
+            <p:nvPr/>
+          </p:nvSpPr>
+          <p:spPr>
+            <a:xfrm>
+              <a:off x="5983311" y="3079716"/>
+              <a:ext cx="71783" cy="283978"/>
+            </a:xfrm>
+            <a:prstGeom prst="roundRect">
+              <a:avLst>
+                <a:gd name="adj" fmla="val 50000"/>
+              </a:avLst>
+            </a:prstGeom>
+            <a:solidFill>
+              <a:schemeClr val="bg2">
+                <a:lumMod val="50000"/>
+              </a:schemeClr>
+            </a:solidFill>
+            <a:ln>
+              <a:solidFill>
+                <a:schemeClr val="tx1"/>
+              </a:solidFill>
+            </a:ln>
+          </p:spPr>
+          <p:style>
+            <a:lnRef idx="2">
+              <a:schemeClr val="accent1">
+                <a:shade val="50000"/>
+              </a:schemeClr>
+            </a:lnRef>
+            <a:fillRef idx="1">
+              <a:schemeClr val="accent1"/>
+            </a:fillRef>
+            <a:effectRef idx="0">
+              <a:schemeClr val="accent1"/>
+            </a:effectRef>
+            <a:fontRef idx="minor">
+              <a:schemeClr val="lt1"/>
+            </a:fontRef>
+          </p:style>
+          <p:txBody>
+            <a:bodyPr rtlCol="0" anchor="ctr"/>
+            <a:lstStyle/>
+            <a:p>
+              <a:pPr algn="ctr"/>
+              <a:endParaRPr kumimoji="1" lang="ja-JP" altLang="en-US" dirty="0">
+                <a:latin typeface="メイリオ" panose="020B0604030504040204" pitchFamily="50" charset="-128"/>
+                <a:ea typeface="メイリオ" panose="020B0604030504040204" pitchFamily="50" charset="-128"/>
+                <a:cs typeface="メイリオ" panose="020B0604030504040204" pitchFamily="50" charset="-128"/>
+              </a:endParaRPr>
+            </a:p>
+          </p:txBody>
+        </p:sp>
+      </p:grpSp>
+      <p:sp>
+        <p:nvSpPr>
+          <p:cNvPr id="18" name="円/楕円 17"/>
           <p:cNvSpPr/>
           <p:nvPr/>
         </p:nvSpPr>
         <p:spPr>
-          <a:xfrm rot="3857177">
-            <a:off x="5282472" y="2816815"/>
-            <a:ext cx="71783" cy="283978"/>
+          <a:xfrm>
+            <a:off x="5925849" y="4150115"/>
+            <a:ext cx="159021" cy="169756"/>
           </a:xfrm>
-          <a:prstGeom prst="roundRect">
-            <a:avLst>
-              <a:gd name="adj" fmla="val 50000"/>
-            </a:avLst>
+          <a:prstGeom prst="ellipse">
+            <a:avLst/>
           </a:prstGeom>
           <a:solidFill>
-            <a:schemeClr val="bg2">
-              <a:lumMod val="50000"/>
-            </a:schemeClr>
+            <a:srgbClr val="FF0000"/>
           </a:solidFill>
           <a:ln>
             <a:solidFill>
-              <a:schemeClr val="tx1"/>
+              <a:srgbClr val="FFFF00"/>
             </a:solidFill>
           </a:ln>
         </p:spPr>
@@ -3672,33 +4112,298 @@
           <a:lstStyle/>
           <a:p>
             <a:pPr algn="ctr"/>
-            <a:endParaRPr kumimoji="1" lang="ja-JP" altLang="en-US" dirty="0">
-              <a:latin typeface="HG丸ｺﾞｼｯｸM-PRO" panose="020F0600000000000000" pitchFamily="50" charset="-128"/>
-              <a:ea typeface="HG丸ｺﾞｼｯｸM-PRO" panose="020F0600000000000000" pitchFamily="50" charset="-128"/>
+            <a:endParaRPr kumimoji="1" lang="ja-JP" altLang="en-US">
+              <a:latin typeface="メイリオ" panose="020B0604030504040204" pitchFamily="50" charset="-128"/>
+              <a:ea typeface="メイリオ" panose="020B0604030504040204" pitchFamily="50" charset="-128"/>
+              <a:cs typeface="メイリオ" panose="020B0604030504040204" pitchFamily="50" charset="-128"/>
             </a:endParaRPr>
           </a:p>
         </p:txBody>
       </p:sp>
       <p:sp>
         <p:nvSpPr>
-          <p:cNvPr id="5" name="正方形/長方形 4"/>
+          <p:cNvPr id="20" name="四角形吹き出し 19"/>
           <p:cNvSpPr/>
           <p:nvPr/>
         </p:nvSpPr>
         <p:spPr>
           <a:xfrm>
-            <a:off x="5548184" y="2958805"/>
-            <a:ext cx="432486" cy="525800"/>
+            <a:off x="7507906" y="3207747"/>
+            <a:ext cx="2108804" cy="733176"/>
+          </a:xfrm>
+          <a:prstGeom prst="wedgeRectCallout">
+            <a:avLst>
+              <a:gd name="adj1" fmla="val -113954"/>
+              <a:gd name="adj2" fmla="val 77333"/>
+            </a:avLst>
+          </a:prstGeom>
+          <a:solidFill>
+            <a:schemeClr val="bg1"/>
+          </a:solidFill>
+        </p:spPr>
+        <p:style>
+          <a:lnRef idx="2">
+            <a:schemeClr val="accent1">
+              <a:shade val="50000"/>
+            </a:schemeClr>
+          </a:lnRef>
+          <a:fillRef idx="1">
+            <a:schemeClr val="accent1"/>
+          </a:fillRef>
+          <a:effectRef idx="0">
+            <a:schemeClr val="accent1"/>
+          </a:effectRef>
+          <a:fontRef idx="minor">
+            <a:schemeClr val="lt1"/>
+          </a:fontRef>
+        </p:style>
+        <p:txBody>
+          <a:bodyPr rtlCol="0" anchor="ctr"/>
+          <a:lstStyle/>
+          <a:p>
+            <a:pPr algn="ctr"/>
+            <a:r>
+              <a:rPr lang="ja-JP" altLang="en-US" dirty="0" smtClean="0">
+                <a:solidFill>
+                  <a:schemeClr val="tx1"/>
+                </a:solidFill>
+                <a:latin typeface="メイリオ" panose="020B0604030504040204" pitchFamily="50" charset="-128"/>
+                <a:ea typeface="メイリオ" panose="020B0604030504040204" pitchFamily="50" charset="-128"/>
+                <a:cs typeface="メイリオ" panose="020B0604030504040204" pitchFamily="50" charset="-128"/>
+              </a:rPr>
+              <a:t>横線を通過するときに</a:t>
+            </a:r>
+            <a:r>
+              <a:rPr lang="en-US" altLang="ja-JP" dirty="0">
+                <a:solidFill>
+                  <a:schemeClr val="tx1"/>
+                </a:solidFill>
+                <a:latin typeface="メイリオ" panose="020B0604030504040204" pitchFamily="50" charset="-128"/>
+                <a:ea typeface="メイリオ" panose="020B0604030504040204" pitchFamily="50" charset="-128"/>
+                <a:cs typeface="メイリオ" panose="020B0604030504040204" pitchFamily="50" charset="-128"/>
+              </a:rPr>
+              <a:t>y</a:t>
+            </a:r>
+            <a:r>
+              <a:rPr lang="ja-JP" altLang="en-US" dirty="0" smtClean="0">
+                <a:solidFill>
+                  <a:schemeClr val="tx1"/>
+                </a:solidFill>
+                <a:latin typeface="メイリオ" panose="020B0604030504040204" pitchFamily="50" charset="-128"/>
+                <a:ea typeface="メイリオ" panose="020B0604030504040204" pitchFamily="50" charset="-128"/>
+                <a:cs typeface="メイリオ" panose="020B0604030504040204" pitchFamily="50" charset="-128"/>
+              </a:rPr>
+              <a:t>座標を補正</a:t>
+            </a:r>
+            <a:endParaRPr kumimoji="1" lang="ja-JP" altLang="en-US" dirty="0">
+              <a:solidFill>
+                <a:schemeClr val="tx1"/>
+              </a:solidFill>
+              <a:latin typeface="メイリオ" panose="020B0604030504040204" pitchFamily="50" charset="-128"/>
+              <a:ea typeface="メイリオ" panose="020B0604030504040204" pitchFamily="50" charset="-128"/>
+              <a:cs typeface="メイリオ" panose="020B0604030504040204" pitchFamily="50" charset="-128"/>
+            </a:endParaRPr>
+          </a:p>
+        </p:txBody>
+      </p:sp>
+      <p:cxnSp>
+        <p:nvCxnSpPr>
+          <p:cNvPr id="22" name="直線矢印コネクタ 21"/>
+          <p:cNvCxnSpPr/>
+          <p:nvPr/>
+        </p:nvCxnSpPr>
+        <p:spPr>
+          <a:xfrm flipV="1">
+            <a:off x="5083694" y="2443792"/>
+            <a:ext cx="0" cy="3651207"/>
+          </a:xfrm>
+          <a:prstGeom prst="straightConnector1">
+            <a:avLst/>
+          </a:prstGeom>
+          <a:ln w="63500">
+            <a:tailEnd type="triangle"/>
+          </a:ln>
+        </p:spPr>
+        <p:style>
+          <a:lnRef idx="1">
+            <a:schemeClr val="dk1"/>
+          </a:lnRef>
+          <a:fillRef idx="0">
+            <a:schemeClr val="dk1"/>
+          </a:fillRef>
+          <a:effectRef idx="0">
+            <a:schemeClr val="dk1"/>
+          </a:effectRef>
+          <a:fontRef idx="minor">
+            <a:schemeClr val="tx1"/>
+          </a:fontRef>
+        </p:style>
+      </p:cxnSp>
+      <p:cxnSp>
+        <p:nvCxnSpPr>
+          <p:cNvPr id="24" name="直線矢印コネクタ 23"/>
+          <p:cNvCxnSpPr/>
+          <p:nvPr/>
+        </p:nvCxnSpPr>
+        <p:spPr>
+          <a:xfrm>
+            <a:off x="5049430" y="6117579"/>
+            <a:ext cx="3641563" cy="15"/>
+          </a:xfrm>
+          <a:prstGeom prst="straightConnector1">
+            <a:avLst/>
+          </a:prstGeom>
+          <a:ln w="63500">
+            <a:tailEnd type="triangle"/>
+          </a:ln>
+        </p:spPr>
+        <p:style>
+          <a:lnRef idx="1">
+            <a:schemeClr val="dk1"/>
+          </a:lnRef>
+          <a:fillRef idx="0">
+            <a:schemeClr val="dk1"/>
+          </a:fillRef>
+          <a:effectRef idx="0">
+            <a:schemeClr val="dk1"/>
+          </a:effectRef>
+          <a:fontRef idx="minor">
+            <a:schemeClr val="tx1"/>
+          </a:fontRef>
+        </p:style>
+      </p:cxnSp>
+      <p:sp>
+        <p:nvSpPr>
+          <p:cNvPr id="25" name="テキスト ボックス 24"/>
+          <p:cNvSpPr txBox="1"/>
+          <p:nvPr/>
+        </p:nvSpPr>
+        <p:spPr>
+          <a:xfrm>
+            <a:off x="4929749" y="2075157"/>
+            <a:ext cx="314510" cy="369332"/>
           </a:xfrm>
           <a:prstGeom prst="rect">
             <a:avLst/>
           </a:prstGeom>
+          <a:noFill/>
+        </p:spPr>
+        <p:txBody>
+          <a:bodyPr wrap="none" rtlCol="0">
+            <a:spAutoFit/>
+          </a:bodyPr>
+          <a:lstStyle/>
+          <a:p>
+            <a:r>
+              <a:rPr lang="en-US" altLang="ja-JP" dirty="0">
+                <a:latin typeface="メイリオ" panose="020B0604030504040204" pitchFamily="50" charset="-128"/>
+                <a:ea typeface="メイリオ" panose="020B0604030504040204" pitchFamily="50" charset="-128"/>
+                <a:cs typeface="メイリオ" panose="020B0604030504040204" pitchFamily="50" charset="-128"/>
+              </a:rPr>
+              <a:t>y</a:t>
+            </a:r>
+            <a:endParaRPr kumimoji="1" lang="ja-JP" altLang="en-US" dirty="0">
+              <a:latin typeface="メイリオ" panose="020B0604030504040204" pitchFamily="50" charset="-128"/>
+              <a:ea typeface="メイリオ" panose="020B0604030504040204" pitchFamily="50" charset="-128"/>
+              <a:cs typeface="メイリオ" panose="020B0604030504040204" pitchFamily="50" charset="-128"/>
+            </a:endParaRPr>
+          </a:p>
+        </p:txBody>
+      </p:sp>
+      <p:sp>
+        <p:nvSpPr>
+          <p:cNvPr id="26" name="テキスト ボックス 25"/>
+          <p:cNvSpPr txBox="1"/>
+          <p:nvPr/>
+        </p:nvSpPr>
+        <p:spPr>
+          <a:xfrm>
+            <a:off x="8653854" y="5955414"/>
+            <a:ext cx="312906" cy="369332"/>
+          </a:xfrm>
+          <a:prstGeom prst="rect">
+            <a:avLst/>
+          </a:prstGeom>
+          <a:noFill/>
+        </p:spPr>
+        <p:txBody>
+          <a:bodyPr wrap="none" rtlCol="0">
+            <a:spAutoFit/>
+          </a:bodyPr>
+          <a:lstStyle/>
+          <a:p>
+            <a:r>
+              <a:rPr lang="en-US" altLang="ja-JP" dirty="0" smtClean="0">
+                <a:latin typeface="メイリオ" panose="020B0604030504040204" pitchFamily="50" charset="-128"/>
+                <a:ea typeface="メイリオ" panose="020B0604030504040204" pitchFamily="50" charset="-128"/>
+                <a:cs typeface="メイリオ" panose="020B0604030504040204" pitchFamily="50" charset="-128"/>
+              </a:rPr>
+              <a:t>x</a:t>
+            </a:r>
+            <a:endParaRPr kumimoji="1" lang="ja-JP" altLang="en-US" dirty="0">
+              <a:latin typeface="メイリオ" panose="020B0604030504040204" pitchFamily="50" charset="-128"/>
+              <a:ea typeface="メイリオ" panose="020B0604030504040204" pitchFamily="50" charset="-128"/>
+              <a:cs typeface="メイリオ" panose="020B0604030504040204" pitchFamily="50" charset="-128"/>
+            </a:endParaRPr>
+          </a:p>
+        </p:txBody>
+      </p:sp>
+      <p:cxnSp>
+        <p:nvCxnSpPr>
+          <p:cNvPr id="27" name="直線矢印コネクタ 26"/>
+          <p:cNvCxnSpPr>
+            <a:stCxn id="15" idx="2"/>
+          </p:cNvCxnSpPr>
+          <p:nvPr/>
+        </p:nvCxnSpPr>
+        <p:spPr>
+          <a:xfrm flipV="1">
+            <a:off x="6138266" y="4773055"/>
+            <a:ext cx="1286707" cy="512990"/>
+          </a:xfrm>
+          <a:prstGeom prst="straightConnector1">
+            <a:avLst/>
+          </a:prstGeom>
+          <a:ln w="25400">
+            <a:prstDash val="sysDot"/>
+            <a:tailEnd type="triangle"/>
+          </a:ln>
+        </p:spPr>
+        <p:style>
+          <a:lnRef idx="1">
+            <a:schemeClr val="accent1"/>
+          </a:lnRef>
+          <a:fillRef idx="0">
+            <a:schemeClr val="accent1"/>
+          </a:fillRef>
+          <a:effectRef idx="0">
+            <a:schemeClr val="accent1"/>
+          </a:effectRef>
+          <a:fontRef idx="minor">
+            <a:schemeClr val="tx1"/>
+          </a:fontRef>
+        </p:style>
+      </p:cxnSp>
+      <p:sp>
+        <p:nvSpPr>
+          <p:cNvPr id="30" name="円/楕円 29"/>
+          <p:cNvSpPr/>
+          <p:nvPr/>
+        </p:nvSpPr>
+        <p:spPr>
+          <a:xfrm>
+            <a:off x="6870738" y="4871478"/>
+            <a:ext cx="159021" cy="169756"/>
+          </a:xfrm>
+          <a:prstGeom prst="ellipse">
+            <a:avLst/>
+          </a:prstGeom>
           <a:solidFill>
-            <a:schemeClr val="bg2"/>
+            <a:srgbClr val="FF0000"/>
           </a:solidFill>
           <a:ln>
             <a:solidFill>
-              <a:schemeClr val="tx1"/>
+              <a:srgbClr val="FFFF00"/>
             </a:solidFill>
           </a:ln>
         </p:spPr>
@@ -3723,10 +4428,172 @@
           <a:lstStyle/>
           <a:p>
             <a:pPr algn="ctr"/>
-            <a:endParaRPr kumimoji="1" lang="ja-JP" altLang="en-US"/>
-          </a:p>
-        </p:txBody>
-      </p:sp>
+            <a:endParaRPr kumimoji="1" lang="ja-JP" altLang="en-US">
+              <a:latin typeface="メイリオ" panose="020B0604030504040204" pitchFamily="50" charset="-128"/>
+              <a:ea typeface="メイリオ" panose="020B0604030504040204" pitchFamily="50" charset="-128"/>
+              <a:cs typeface="メイリオ" panose="020B0604030504040204" pitchFamily="50" charset="-128"/>
+            </a:endParaRPr>
+          </a:p>
+        </p:txBody>
+      </p:sp>
+      <p:sp>
+        <p:nvSpPr>
+          <p:cNvPr id="31" name="四角形吹き出し 30"/>
+          <p:cNvSpPr/>
+          <p:nvPr/>
+        </p:nvSpPr>
+        <p:spPr>
+          <a:xfrm>
+            <a:off x="8017266" y="4757106"/>
+            <a:ext cx="2108804" cy="733176"/>
+          </a:xfrm>
+          <a:prstGeom prst="wedgeRectCallout">
+            <a:avLst>
+              <a:gd name="adj1" fmla="val -91091"/>
+              <a:gd name="adj2" fmla="val -17906"/>
+            </a:avLst>
+          </a:prstGeom>
+          <a:solidFill>
+            <a:schemeClr val="bg1"/>
+          </a:solidFill>
+        </p:spPr>
+        <p:style>
+          <a:lnRef idx="2">
+            <a:schemeClr val="accent1">
+              <a:shade val="50000"/>
+            </a:schemeClr>
+          </a:lnRef>
+          <a:fillRef idx="1">
+            <a:schemeClr val="accent1"/>
+          </a:fillRef>
+          <a:effectRef idx="0">
+            <a:schemeClr val="accent1"/>
+          </a:effectRef>
+          <a:fontRef idx="minor">
+            <a:schemeClr val="lt1"/>
+          </a:fontRef>
+        </p:style>
+        <p:txBody>
+          <a:bodyPr rtlCol="0" anchor="ctr"/>
+          <a:lstStyle/>
+          <a:p>
+            <a:pPr algn="ctr"/>
+            <a:r>
+              <a:rPr lang="ja-JP" altLang="en-US" dirty="0" smtClean="0">
+                <a:solidFill>
+                  <a:schemeClr val="tx1"/>
+                </a:solidFill>
+                <a:latin typeface="メイリオ" panose="020B0604030504040204" pitchFamily="50" charset="-128"/>
+                <a:ea typeface="メイリオ" panose="020B0604030504040204" pitchFamily="50" charset="-128"/>
+                <a:cs typeface="メイリオ" panose="020B0604030504040204" pitchFamily="50" charset="-128"/>
+              </a:rPr>
+              <a:t>縦線を通過するときに</a:t>
+            </a:r>
+            <a:r>
+              <a:rPr lang="en-US" altLang="ja-JP" dirty="0">
+                <a:solidFill>
+                  <a:schemeClr val="tx1"/>
+                </a:solidFill>
+                <a:latin typeface="メイリオ" panose="020B0604030504040204" pitchFamily="50" charset="-128"/>
+                <a:ea typeface="メイリオ" panose="020B0604030504040204" pitchFamily="50" charset="-128"/>
+                <a:cs typeface="メイリオ" panose="020B0604030504040204" pitchFamily="50" charset="-128"/>
+              </a:rPr>
+              <a:t>x</a:t>
+            </a:r>
+            <a:r>
+              <a:rPr lang="ja-JP" altLang="en-US" dirty="0" smtClean="0">
+                <a:solidFill>
+                  <a:schemeClr val="tx1"/>
+                </a:solidFill>
+                <a:latin typeface="メイリオ" panose="020B0604030504040204" pitchFamily="50" charset="-128"/>
+                <a:ea typeface="メイリオ" panose="020B0604030504040204" pitchFamily="50" charset="-128"/>
+                <a:cs typeface="メイリオ" panose="020B0604030504040204" pitchFamily="50" charset="-128"/>
+              </a:rPr>
+              <a:t>座標を補正</a:t>
+            </a:r>
+            <a:endParaRPr kumimoji="1" lang="ja-JP" altLang="en-US" dirty="0">
+              <a:solidFill>
+                <a:schemeClr val="tx1"/>
+              </a:solidFill>
+              <a:latin typeface="メイリオ" panose="020B0604030504040204" pitchFamily="50" charset="-128"/>
+              <a:ea typeface="メイリオ" panose="020B0604030504040204" pitchFamily="50" charset="-128"/>
+              <a:cs typeface="メイリオ" panose="020B0604030504040204" pitchFamily="50" charset="-128"/>
+            </a:endParaRPr>
+          </a:p>
+        </p:txBody>
+      </p:sp>
+      <p:cxnSp>
+        <p:nvCxnSpPr>
+          <p:cNvPr id="33" name="直線コネクタ 32"/>
+          <p:cNvCxnSpPr/>
+          <p:nvPr/>
+        </p:nvCxnSpPr>
+        <p:spPr>
+          <a:xfrm flipV="1">
+            <a:off x="3951696" y="2857161"/>
+            <a:ext cx="1537132" cy="608845"/>
+          </a:xfrm>
+          <a:prstGeom prst="line">
+            <a:avLst/>
+          </a:prstGeom>
+          <a:ln w="44450">
+            <a:solidFill>
+              <a:srgbClr val="7030A0"/>
+            </a:solidFill>
+            <a:prstDash val="dash"/>
+          </a:ln>
+        </p:spPr>
+        <p:style>
+          <a:lnRef idx="1">
+            <a:schemeClr val="accent1"/>
+          </a:lnRef>
+          <a:fillRef idx="0">
+            <a:schemeClr val="accent1"/>
+          </a:fillRef>
+          <a:effectRef idx="0">
+            <a:schemeClr val="accent1"/>
+          </a:effectRef>
+          <a:fontRef idx="minor">
+            <a:schemeClr val="tx1"/>
+          </a:fontRef>
+        </p:style>
+      </p:cxnSp>
+      <p:cxnSp>
+        <p:nvCxnSpPr>
+          <p:cNvPr id="34" name="直線コネクタ 33"/>
+          <p:cNvCxnSpPr/>
+          <p:nvPr/>
+        </p:nvCxnSpPr>
+        <p:spPr>
+          <a:xfrm>
+            <a:off x="4047002" y="4232268"/>
+            <a:ext cx="1126506" cy="1678173"/>
+          </a:xfrm>
+          <a:prstGeom prst="line">
+            <a:avLst/>
+          </a:prstGeom>
+          <a:ln w="44450">
+            <a:solidFill>
+              <a:srgbClr val="7030A0"/>
+            </a:solidFill>
+            <a:prstDash val="dash"/>
+          </a:ln>
+        </p:spPr>
+        <p:style>
+          <a:lnRef idx="1">
+            <a:schemeClr val="accent1"/>
+          </a:lnRef>
+          <a:fillRef idx="0">
+            <a:schemeClr val="accent1"/>
+          </a:fillRef>
+          <a:effectRef idx="0">
+            <a:schemeClr val="accent1"/>
+          </a:effectRef>
+          <a:fontRef idx="minor">
+            <a:schemeClr val="tx1"/>
+          </a:fontRef>
+        </p:style>
+      </p:cxnSp>
     </p:spTree>
     <p:extLst>
       <p:ext uri="{BB962C8B-B14F-4D97-AF65-F5344CB8AC3E}">
